--- a/Презентация Бутаковой Натальи.pptx
+++ b/Презентация Бутаковой Натальи.pptx
@@ -12748,8 +12748,8 @@
         </p:nvSpPr>
         <p:spPr>
           <a:xfrm>
-            <a:off x="387331" y="1938304"/>
-            <a:ext cx="5508000" cy="4507045"/>
+            <a:off x="253869" y="2876692"/>
+            <a:ext cx="4273551" cy="3512015"/>
           </a:xfrm>
         </p:spPr>
         <p:txBody>
@@ -12758,13 +12758,72 @@
           </a:bodyPr>
           <a:lstStyle/>
           <a:p>
-            <a:pPr marL="76200" indent="0" algn="just">
-              <a:buNone/>
+            <a:pPr marL="419100" indent="-342900" algn="just">
+              <a:buFont typeface="Wingdings" panose="05000000000000000000" pitchFamily="2" charset="2"/>
+              <a:buChar char="Ø"/>
             </a:pPr>
             <a:r>
-              <a:rPr lang="ru-RU" sz="2200" dirty="0"/>
-              <a:t>Текст слайда</a:t>
+              <a:rPr lang="ru-RU" sz="1900" dirty="0"/>
+              <a:t>Несколько вариаций архитектуры НС.</a:t>
             </a:r>
+          </a:p>
+          <a:p>
+            <a:pPr marL="419100" indent="-342900" algn="just">
+              <a:buFont typeface="Wingdings" panose="05000000000000000000" pitchFamily="2" charset="2"/>
+              <a:buChar char="Ø"/>
+            </a:pPr>
+            <a:r>
+              <a:rPr lang="ru-RU" sz="1900" dirty="0"/>
+              <a:t>Общий подход к предобработке данных и вариант без удаления выбросов.</a:t>
+            </a:r>
+          </a:p>
+          <a:p>
+            <a:pPr marL="419100" indent="-342900" algn="just">
+              <a:buFont typeface="Wingdings" panose="05000000000000000000" pitchFamily="2" charset="2"/>
+              <a:buChar char="Ø"/>
+            </a:pPr>
+            <a:r>
+              <a:rPr lang="ru-RU" sz="1900" dirty="0"/>
+              <a:t>Контроль метрик при обучении и соответствующий выбор количества эпох.</a:t>
+            </a:r>
+          </a:p>
+          <a:p>
+            <a:pPr marL="419100" indent="-342900" algn="just">
+              <a:buFont typeface="Wingdings" panose="05000000000000000000" pitchFamily="2" charset="2"/>
+              <a:buChar char="Ø"/>
+            </a:pPr>
+            <a:r>
+              <a:rPr lang="ru-RU" sz="1900" dirty="0"/>
+              <a:t>Оптимизаторы </a:t>
+            </a:r>
+            <a:r>
+              <a:rPr lang="en-US" sz="1900" dirty="0"/>
+              <a:t>Adam </a:t>
+            </a:r>
+            <a:r>
+              <a:rPr lang="ru-RU" sz="1900" dirty="0"/>
+              <a:t>и </a:t>
+            </a:r>
+            <a:r>
+              <a:rPr lang="en-US" sz="1900" dirty="0"/>
+              <a:t>SGD</a:t>
+            </a:r>
+          </a:p>
+          <a:p>
+            <a:pPr marL="419100" indent="-342900" algn="just">
+              <a:buFont typeface="Wingdings" panose="05000000000000000000" pitchFamily="2" charset="2"/>
+              <a:buChar char="Ø"/>
+            </a:pPr>
+            <a:r>
+              <a:rPr lang="ru-RU" sz="1900" dirty="0"/>
+              <a:t>Различные функции активации на скрытых слоях.</a:t>
+            </a:r>
+          </a:p>
+          <a:p>
+            <a:pPr marL="76200" indent="0" algn="just">
+              <a:buNone/>
+            </a:pPr>
+            <a:endParaRPr lang="ru-RU" sz="2200" dirty="0"/>
           </a:p>
         </p:txBody>
       </p:sp>
@@ -12786,13 +12845,13 @@
         </p:nvSpPr>
         <p:spPr>
           <a:xfrm>
-            <a:off x="6241899" y="1938304"/>
-            <a:ext cx="5508000" cy="4507045"/>
+            <a:off x="4684889" y="1059975"/>
+            <a:ext cx="7319229" cy="5649331"/>
           </a:xfrm>
         </p:spPr>
         <p:txBody>
           <a:bodyPr>
-            <a:normAutofit/>
+            <a:normAutofit fontScale="85000" lnSpcReduction="10000"/>
           </a:bodyPr>
           <a:lstStyle/>
           <a:p>
@@ -12801,7 +12860,210 @@
             </a:pPr>
             <a:r>
               <a:rPr lang="ru-RU" sz="2200" dirty="0"/>
-              <a:t>Текст слайда</a:t>
+              <a:t>Метрики: </a:t>
+            </a:r>
+          </a:p>
+          <a:p>
+            <a:pPr marL="361950" indent="-285750" algn="just">
+              <a:buFont typeface="Wingdings" panose="05000000000000000000" pitchFamily="2" charset="2"/>
+              <a:buChar char="Ø"/>
+            </a:pPr>
+            <a:r>
+              <a:rPr lang="ru-RU" sz="2200" dirty="0"/>
+              <a:t>MSE=0.03, </a:t>
+            </a:r>
+          </a:p>
+          <a:p>
+            <a:pPr marL="361950" indent="-285750" algn="just">
+              <a:buFont typeface="Wingdings" panose="05000000000000000000" pitchFamily="2" charset="2"/>
+              <a:buChar char="Ø"/>
+            </a:pPr>
+            <a:r>
+              <a:rPr lang="ru-RU" sz="2200" dirty="0"/>
+              <a:t>R2=-0.001, </a:t>
+            </a:r>
+          </a:p>
+          <a:p>
+            <a:pPr marL="361950" indent="-285750" algn="just">
+              <a:buFont typeface="Wingdings" panose="05000000000000000000" pitchFamily="2" charset="2"/>
+              <a:buChar char="Ø"/>
+            </a:pPr>
+            <a:r>
+              <a:rPr lang="ru-RU" sz="2200" dirty="0"/>
+              <a:t>Точность 71%.</a:t>
+            </a:r>
+          </a:p>
+          <a:p>
+            <a:pPr marL="76200" indent="0" algn="just">
+              <a:buNone/>
+            </a:pPr>
+            <a:endParaRPr lang="ru-RU" sz="2200" dirty="0"/>
+          </a:p>
+          <a:p>
+            <a:pPr marL="76200" indent="0" algn="just">
+              <a:buNone/>
+            </a:pPr>
+            <a:endParaRPr lang="ru-RU" sz="2200" dirty="0"/>
+          </a:p>
+          <a:p>
+            <a:pPr marL="76200" indent="0" algn="just">
+              <a:buNone/>
+            </a:pPr>
+            <a:r>
+              <a:rPr lang="ru-RU" sz="2200" dirty="0"/>
+              <a:t>Параметры НС:</a:t>
+            </a:r>
+            <a:endParaRPr lang="en-US" sz="2200" dirty="0"/>
+          </a:p>
+          <a:p>
+            <a:pPr marL="285750" indent="-285750" algn="just" hangingPunct="0">
+              <a:lnSpc>
+                <a:spcPct val="150000"/>
+              </a:lnSpc>
+              <a:buFont typeface="Wingdings" panose="05000000000000000000" pitchFamily="2" charset="2"/>
+              <a:buChar char="Ø"/>
+            </a:pPr>
+            <a:r>
+              <a:rPr lang="ru-RU" sz="2200" dirty="0"/>
+              <a:t>Входной слой: </a:t>
+            </a:r>
+            <a:r>
+              <a:rPr lang="ru-RU" sz="2200" dirty="0" err="1"/>
+              <a:t>полносвязный</a:t>
+            </a:r>
+            <a:r>
+              <a:rPr lang="ru-RU" sz="2200" dirty="0"/>
+              <a:t>, 8 нейронов, ФА </a:t>
+            </a:r>
+            <a:r>
+              <a:rPr lang="en-US" sz="2200" dirty="0"/>
+              <a:t>tanh</a:t>
+            </a:r>
+            <a:r>
+              <a:rPr lang="ru-RU" sz="2200" dirty="0"/>
+              <a:t>;</a:t>
+            </a:r>
+            <a:endParaRPr lang="en-US" sz="2200" dirty="0"/>
+          </a:p>
+          <a:p>
+            <a:pPr marL="285750" lvl="0" indent="-285750" algn="just" hangingPunct="0">
+              <a:lnSpc>
+                <a:spcPct val="150000"/>
+              </a:lnSpc>
+              <a:buFont typeface="Wingdings" panose="05000000000000000000" pitchFamily="2" charset="2"/>
+              <a:buChar char="Ø"/>
+            </a:pPr>
+            <a:r>
+              <a:rPr lang="ru-RU" sz="2200" dirty="0"/>
+              <a:t>Один скрытый </a:t>
+            </a:r>
+            <a:r>
+              <a:rPr lang="ru-RU" sz="2200" dirty="0" err="1"/>
+              <a:t>полносвязный</a:t>
+            </a:r>
+            <a:r>
+              <a:rPr lang="ru-RU" sz="2200" dirty="0"/>
+              <a:t> слой с 8 нейронами, ФА </a:t>
+            </a:r>
+            <a:r>
+              <a:rPr lang="en-US" sz="2200" dirty="0"/>
+              <a:t>tanh</a:t>
+            </a:r>
+            <a:r>
+              <a:rPr lang="ru-RU" sz="2200" dirty="0"/>
+              <a:t>;</a:t>
+            </a:r>
+            <a:endParaRPr lang="en-US" sz="2200" dirty="0"/>
+          </a:p>
+          <a:p>
+            <a:pPr marL="285750" lvl="0" indent="-285750" algn="just" hangingPunct="0">
+              <a:lnSpc>
+                <a:spcPct val="150000"/>
+              </a:lnSpc>
+              <a:buFont typeface="Wingdings" panose="05000000000000000000" pitchFamily="2" charset="2"/>
+              <a:buChar char="Ø"/>
+            </a:pPr>
+            <a:r>
+              <a:rPr lang="ru-RU" sz="2200" dirty="0"/>
+              <a:t>Один </a:t>
+            </a:r>
+            <a:r>
+              <a:rPr lang="ru-RU" sz="2200" dirty="0" err="1"/>
+              <a:t>Dropout</a:t>
+            </a:r>
+            <a:r>
+              <a:rPr lang="ru-RU" sz="2200" dirty="0"/>
+              <a:t> слой;</a:t>
+            </a:r>
+            <a:endParaRPr lang="en-US" sz="2200" dirty="0"/>
+          </a:p>
+          <a:p>
+            <a:pPr marL="285750" lvl="0" indent="-285750" algn="just" hangingPunct="0">
+              <a:lnSpc>
+                <a:spcPct val="150000"/>
+              </a:lnSpc>
+              <a:buFont typeface="Wingdings" panose="05000000000000000000" pitchFamily="2" charset="2"/>
+              <a:buChar char="Ø"/>
+            </a:pPr>
+            <a:r>
+              <a:rPr lang="ru-RU" sz="2200" dirty="0"/>
+              <a:t>Выходной слой: </a:t>
+            </a:r>
+            <a:r>
+              <a:rPr lang="ru-RU" sz="2200" dirty="0" err="1"/>
+              <a:t>полносвязный</a:t>
+            </a:r>
+            <a:r>
+              <a:rPr lang="ru-RU" sz="2200" dirty="0"/>
+              <a:t>, 1 нейрон, ФА</a:t>
+            </a:r>
+            <a:r>
+              <a:rPr lang="en-US" sz="2200" dirty="0"/>
+              <a:t> leaner</a:t>
+            </a:r>
+            <a:r>
+              <a:rPr lang="ru-RU" sz="2200" dirty="0"/>
+              <a:t>;</a:t>
+            </a:r>
+            <a:endParaRPr lang="en-US" sz="2200" dirty="0"/>
+          </a:p>
+          <a:p>
+            <a:pPr marL="285750" lvl="0" indent="-285750" algn="just" hangingPunct="0">
+              <a:lnSpc>
+                <a:spcPct val="150000"/>
+              </a:lnSpc>
+              <a:buFont typeface="Wingdings" panose="05000000000000000000" pitchFamily="2" charset="2"/>
+              <a:buChar char="Ø"/>
+            </a:pPr>
+            <a:r>
+              <a:rPr lang="ru-RU" sz="2200" dirty="0"/>
+              <a:t>Оптимизатор: стохастический градиентный спуск (SGD);</a:t>
+            </a:r>
+            <a:endParaRPr lang="en-US" sz="2200" dirty="0"/>
+          </a:p>
+          <a:p>
+            <a:pPr marL="285750" lvl="0" indent="-285750" algn="just" hangingPunct="0">
+              <a:lnSpc>
+                <a:spcPct val="150000"/>
+              </a:lnSpc>
+              <a:buFont typeface="Wingdings" panose="05000000000000000000" pitchFamily="2" charset="2"/>
+              <a:buChar char="Ø"/>
+            </a:pPr>
+            <a:r>
+              <a:rPr lang="ru-RU" sz="2200" dirty="0" err="1"/>
+              <a:t>loss</a:t>
+            </a:r>
+            <a:r>
+              <a:rPr lang="ru-RU" sz="2200" dirty="0"/>
+              <a:t>-функция: среднеквадратичная ошибка (</a:t>
+            </a:r>
+            <a:r>
+              <a:rPr lang="ru-RU" sz="2200" dirty="0" err="1"/>
+              <a:t>mean_squared_error</a:t>
+            </a:r>
+            <a:r>
+              <a:rPr lang="ru-RU" sz="2200" dirty="0"/>
+              <a:t>).</a:t>
             </a:r>
           </a:p>
         </p:txBody>
@@ -12824,19 +13086,19 @@
         </p:nvSpPr>
         <p:spPr>
           <a:xfrm>
-            <a:off x="206357" y="1330759"/>
-            <a:ext cx="11196533" cy="584686"/>
+            <a:off x="187882" y="2437996"/>
+            <a:ext cx="2999687" cy="438696"/>
           </a:xfrm>
         </p:spPr>
         <p:txBody>
           <a:bodyPr>
-            <a:normAutofit/>
+            <a:normAutofit fontScale="85000" lnSpcReduction="20000"/>
           </a:bodyPr>
           <a:lstStyle/>
           <a:p>
             <a:r>
               <a:rPr lang="ru-RU" sz="2600" dirty="0"/>
-              <a:t>Подзаголовок</a:t>
+              <a:t>Что испробовано:</a:t>
             </a:r>
           </a:p>
         </p:txBody>
@@ -12855,9 +13117,9 @@
         </p:nvGrpSpPr>
         <p:grpSpPr>
           <a:xfrm>
-            <a:off x="2856089" y="469293"/>
+            <a:off x="2946400" y="204803"/>
             <a:ext cx="9155289" cy="666000"/>
-            <a:chOff x="1476753" y="3499669"/>
+            <a:chOff x="1522319" y="3235179"/>
             <a:chExt cx="4619247" cy="666000"/>
           </a:xfrm>
         </p:grpSpPr>
@@ -12875,7 +13137,7 @@
           </p:nvSpPr>
           <p:spPr>
             <a:xfrm>
-              <a:off x="1476753" y="3499669"/>
+              <a:off x="1522319" y="3235179"/>
               <a:ext cx="4619247" cy="666000"/>
             </a:xfrm>
             <a:prstGeom prst="rect">
@@ -12910,7 +13172,6 @@
             <a:bodyPr rtlCol="0" anchor="ctr"/>
             <a:lstStyle/>
             <a:p>
-              <a:pPr algn="ctr"/>
               <a:r>
                 <a:rPr lang="ru-RU" sz="2800" spc="180" dirty="0">
                   <a:ln>
@@ -12924,7 +13185,7 @@
                   <a:latin typeface="ALS Sector Bold" pitchFamily="2" charset="0"/>
                   <a:cs typeface="ALS Sector Bold" pitchFamily="2" charset="0"/>
                 </a:rPr>
-                <a:t>Разработка нейронной сети для прогнозирования Соотношения матрица-наполнитель</a:t>
+                <a:t>Разработка НС для прогнозирования Соотношения матрица-наполнитель</a:t>
               </a:r>
               <a:endParaRPr lang="ru-RU" sz="2800" spc="180" dirty="0">
                 <a:latin typeface="ALS Sector Bold" pitchFamily="2" charset="0"/>
@@ -12947,7 +13208,7 @@
           </p:nvSpPr>
           <p:spPr>
             <a:xfrm rot="10800000" flipH="1">
-              <a:off x="1476754" y="3499669"/>
+              <a:off x="1522320" y="3235179"/>
               <a:ext cx="76579" cy="666000"/>
             </a:xfrm>
             <a:custGeom>
@@ -13086,7 +13347,7 @@
           </p:nvSpPr>
           <p:spPr>
             <a:xfrm flipH="1">
-              <a:off x="6005951" y="3499669"/>
+              <a:off x="6051517" y="3235179"/>
               <a:ext cx="90049" cy="666000"/>
             </a:xfrm>
             <a:custGeom>
@@ -13213,6 +13474,638 @@
           </p:txBody>
         </p:sp>
       </p:grpSp>
+      <p:sp>
+        <p:nvSpPr>
+          <p:cNvPr id="6" name="Текст 3">
+            <a:extLst>
+              <a:ext uri="{FF2B5EF4-FFF2-40B4-BE49-F238E27FC236}">
+                <a16:creationId xmlns:a16="http://schemas.microsoft.com/office/drawing/2014/main" id="{9DA35B47-6464-AACD-BF35-95D367020270}"/>
+              </a:ext>
+            </a:extLst>
+          </p:cNvPr>
+          <p:cNvSpPr txBox="1">
+            <a:spLocks/>
+          </p:cNvSpPr>
+          <p:nvPr/>
+        </p:nvSpPr>
+        <p:spPr>
+          <a:xfrm>
+            <a:off x="253870" y="1354667"/>
+            <a:ext cx="4284263" cy="1083733"/>
+          </a:xfrm>
+          <a:prstGeom prst="rect">
+            <a:avLst/>
+          </a:prstGeom>
+          <a:noFill/>
+          <a:ln>
+            <a:noFill/>
+          </a:ln>
+        </p:spPr>
+        <p:txBody>
+          <a:bodyPr spcFirstLastPara="1" wrap="square" lIns="91425" tIns="45700" rIns="91425" bIns="45700" anchor="t" anchorCtr="0">
+            <a:normAutofit/>
+          </a:bodyPr>
+          <a:lstStyle>
+            <a:defPPr marR="0" lvl="0" algn="l" rtl="0">
+              <a:lnSpc>
+                <a:spcPct val="100000"/>
+              </a:lnSpc>
+              <a:spcBef>
+                <a:spcPts val="0"/>
+              </a:spcBef>
+              <a:spcAft>
+                <a:spcPts val="0"/>
+              </a:spcAft>
+            </a:defPPr>
+            <a:lvl1pPr marL="76200" marR="0" lvl="0" indent="0" algn="l" rtl="0">
+              <a:lnSpc>
+                <a:spcPct val="90000"/>
+              </a:lnSpc>
+              <a:spcBef>
+                <a:spcPts val="750"/>
+              </a:spcBef>
+              <a:spcAft>
+                <a:spcPts val="0"/>
+              </a:spcAft>
+              <a:buClr>
+                <a:schemeClr val="accent1"/>
+              </a:buClr>
+              <a:buSzPts val="2400"/>
+              <a:buFont typeface="Noto Sans Symbols"/>
+              <a:buNone/>
+              <a:defRPr sz="2300" b="0" i="0" u="none" strike="noStrike" cap="none" baseline="0">
+                <a:solidFill>
+                  <a:srgbClr val="262626"/>
+                </a:solidFill>
+                <a:latin typeface="ALS Sector Regular" panose="02000000000000000000" pitchFamily="2" charset="0"/>
+                <a:ea typeface="Open Sans"/>
+                <a:cs typeface="ALS Sector Regular" panose="02000000000000000000" pitchFamily="2" charset="0"/>
+                <a:sym typeface="Open Sans"/>
+              </a:defRPr>
+            </a:lvl1pPr>
+            <a:lvl2pPr marL="914400" marR="0" lvl="1" indent="-355600" algn="l" rtl="0">
+              <a:lnSpc>
+                <a:spcPct val="90000"/>
+              </a:lnSpc>
+              <a:spcBef>
+                <a:spcPts val="375"/>
+              </a:spcBef>
+              <a:spcAft>
+                <a:spcPts val="0"/>
+              </a:spcAft>
+              <a:buClr>
+                <a:schemeClr val="accent1"/>
+              </a:buClr>
+              <a:buSzPts val="2000"/>
+              <a:buFont typeface="Noto Sans Symbols"/>
+              <a:buChar char="▪"/>
+              <a:defRPr sz="2000" b="0" i="0" u="none" strike="noStrike" cap="none">
+                <a:solidFill>
+                  <a:srgbClr val="262626"/>
+                </a:solidFill>
+                <a:latin typeface="Open Sans"/>
+                <a:ea typeface="Open Sans"/>
+                <a:cs typeface="Open Sans"/>
+                <a:sym typeface="Open Sans"/>
+              </a:defRPr>
+            </a:lvl2pPr>
+            <a:lvl3pPr marL="1371600" marR="0" lvl="2" indent="-330200" algn="l" rtl="0">
+              <a:lnSpc>
+                <a:spcPct val="90000"/>
+              </a:lnSpc>
+              <a:spcBef>
+                <a:spcPts val="375"/>
+              </a:spcBef>
+              <a:spcAft>
+                <a:spcPts val="0"/>
+              </a:spcAft>
+              <a:buClr>
+                <a:schemeClr val="accent1"/>
+              </a:buClr>
+              <a:buSzPts val="1600"/>
+              <a:buFont typeface="Noto Sans Symbols"/>
+              <a:buChar char="▪"/>
+              <a:defRPr sz="1600" b="0" i="0" u="none" strike="noStrike" cap="none">
+                <a:solidFill>
+                  <a:srgbClr val="262626"/>
+                </a:solidFill>
+                <a:latin typeface="Open Sans"/>
+                <a:ea typeface="Open Sans"/>
+                <a:cs typeface="Open Sans"/>
+                <a:sym typeface="Open Sans"/>
+              </a:defRPr>
+            </a:lvl3pPr>
+            <a:lvl4pPr marL="1828800" marR="0" lvl="3" indent="-317500" algn="l" rtl="0">
+              <a:lnSpc>
+                <a:spcPct val="90000"/>
+              </a:lnSpc>
+              <a:spcBef>
+                <a:spcPts val="375"/>
+              </a:spcBef>
+              <a:spcAft>
+                <a:spcPts val="0"/>
+              </a:spcAft>
+              <a:buClr>
+                <a:schemeClr val="accent1"/>
+              </a:buClr>
+              <a:buSzPts val="1400"/>
+              <a:buFont typeface="Noto Sans Symbols"/>
+              <a:buChar char="▪"/>
+              <a:defRPr sz="1400" b="0" i="0" u="none" strike="noStrike" cap="none">
+                <a:solidFill>
+                  <a:srgbClr val="262626"/>
+                </a:solidFill>
+                <a:latin typeface="Open Sans"/>
+                <a:ea typeface="Open Sans"/>
+                <a:cs typeface="Open Sans"/>
+                <a:sym typeface="Open Sans"/>
+              </a:defRPr>
+            </a:lvl4pPr>
+            <a:lvl5pPr marL="2286000" marR="0" lvl="4" indent="-317500" algn="l" rtl="0">
+              <a:lnSpc>
+                <a:spcPct val="90000"/>
+              </a:lnSpc>
+              <a:spcBef>
+                <a:spcPts val="375"/>
+              </a:spcBef>
+              <a:spcAft>
+                <a:spcPts val="0"/>
+              </a:spcAft>
+              <a:buClr>
+                <a:schemeClr val="accent1"/>
+              </a:buClr>
+              <a:buSzPts val="1400"/>
+              <a:buFont typeface="Noto Sans Symbols"/>
+              <a:buChar char="▪"/>
+              <a:defRPr sz="1400" b="0" i="0" u="none" strike="noStrike" cap="none">
+                <a:solidFill>
+                  <a:srgbClr val="262626"/>
+                </a:solidFill>
+                <a:latin typeface="Open Sans"/>
+                <a:ea typeface="Open Sans"/>
+                <a:cs typeface="Open Sans"/>
+                <a:sym typeface="Open Sans"/>
+              </a:defRPr>
+            </a:lvl5pPr>
+            <a:lvl6pPr marL="2743200" marR="0" lvl="5" indent="-342900" algn="l" rtl="0">
+              <a:lnSpc>
+                <a:spcPct val="90000"/>
+              </a:lnSpc>
+              <a:spcBef>
+                <a:spcPts val="375"/>
+              </a:spcBef>
+              <a:spcAft>
+                <a:spcPts val="0"/>
+              </a:spcAft>
+              <a:buClr>
+                <a:schemeClr val="dk1"/>
+              </a:buClr>
+              <a:buSzPts val="1800"/>
+              <a:buFont typeface="Arial"/>
+              <a:buChar char="•"/>
+              <a:defRPr sz="1350" b="0" i="0" u="none" strike="noStrike" cap="none">
+                <a:solidFill>
+                  <a:schemeClr val="dk1"/>
+                </a:solidFill>
+                <a:latin typeface="Open Sans"/>
+                <a:ea typeface="Open Sans"/>
+                <a:cs typeface="Open Sans"/>
+                <a:sym typeface="Open Sans"/>
+              </a:defRPr>
+            </a:lvl6pPr>
+            <a:lvl7pPr marL="3200400" marR="0" lvl="6" indent="-342900" algn="l" rtl="0">
+              <a:lnSpc>
+                <a:spcPct val="90000"/>
+              </a:lnSpc>
+              <a:spcBef>
+                <a:spcPts val="375"/>
+              </a:spcBef>
+              <a:spcAft>
+                <a:spcPts val="0"/>
+              </a:spcAft>
+              <a:buClr>
+                <a:schemeClr val="dk1"/>
+              </a:buClr>
+              <a:buSzPts val="1800"/>
+              <a:buFont typeface="Arial"/>
+              <a:buChar char="•"/>
+              <a:defRPr sz="1350" b="0" i="0" u="none" strike="noStrike" cap="none">
+                <a:solidFill>
+                  <a:schemeClr val="dk1"/>
+                </a:solidFill>
+                <a:latin typeface="Open Sans"/>
+                <a:ea typeface="Open Sans"/>
+                <a:cs typeface="Open Sans"/>
+                <a:sym typeface="Open Sans"/>
+              </a:defRPr>
+            </a:lvl7pPr>
+            <a:lvl8pPr marL="3657600" marR="0" lvl="7" indent="-342900" algn="l" rtl="0">
+              <a:lnSpc>
+                <a:spcPct val="90000"/>
+              </a:lnSpc>
+              <a:spcBef>
+                <a:spcPts val="375"/>
+              </a:spcBef>
+              <a:spcAft>
+                <a:spcPts val="0"/>
+              </a:spcAft>
+              <a:buClr>
+                <a:schemeClr val="dk1"/>
+              </a:buClr>
+              <a:buSzPts val="1800"/>
+              <a:buFont typeface="Arial"/>
+              <a:buChar char="•"/>
+              <a:defRPr sz="1350" b="0" i="0" u="none" strike="noStrike" cap="none">
+                <a:solidFill>
+                  <a:schemeClr val="dk1"/>
+                </a:solidFill>
+                <a:latin typeface="Open Sans"/>
+                <a:ea typeface="Open Sans"/>
+                <a:cs typeface="Open Sans"/>
+                <a:sym typeface="Open Sans"/>
+              </a:defRPr>
+            </a:lvl8pPr>
+            <a:lvl9pPr marL="4114800" marR="0" lvl="8" indent="-342900" algn="l" rtl="0">
+              <a:lnSpc>
+                <a:spcPct val="90000"/>
+              </a:lnSpc>
+              <a:spcBef>
+                <a:spcPts val="375"/>
+              </a:spcBef>
+              <a:spcAft>
+                <a:spcPts val="0"/>
+              </a:spcAft>
+              <a:buClr>
+                <a:schemeClr val="dk1"/>
+              </a:buClr>
+              <a:buSzPts val="1800"/>
+              <a:buFont typeface="Arial"/>
+              <a:buChar char="•"/>
+              <a:defRPr sz="1350" b="0" i="0" u="none" strike="noStrike" cap="none">
+                <a:solidFill>
+                  <a:schemeClr val="dk1"/>
+                </a:solidFill>
+                <a:latin typeface="Open Sans"/>
+                <a:ea typeface="Open Sans"/>
+                <a:cs typeface="Open Sans"/>
+                <a:sym typeface="Open Sans"/>
+              </a:defRPr>
+            </a:lvl9pPr>
+          </a:lstStyle>
+          <a:p>
+            <a:pPr marL="419100" indent="-342900" algn="just">
+              <a:buFont typeface="Wingdings" panose="05000000000000000000" pitchFamily="2" charset="2"/>
+              <a:buChar char="Ø"/>
+            </a:pPr>
+            <a:r>
+              <a:rPr lang="ru-RU" sz="1800" dirty="0"/>
+              <a:t>12 входных признаков, 1 - целевой.</a:t>
+            </a:r>
+          </a:p>
+          <a:p>
+            <a:pPr marL="419100" indent="-342900" algn="just">
+              <a:buFont typeface="Wingdings" panose="05000000000000000000" pitchFamily="2" charset="2"/>
+              <a:buChar char="Ø"/>
+            </a:pPr>
+            <a:r>
+              <a:rPr lang="ru-RU" sz="1800" dirty="0"/>
+              <a:t>Нейронную сеть строю с помощью класса </a:t>
+            </a:r>
+            <a:r>
+              <a:rPr lang="ru-RU" sz="1800" dirty="0" err="1"/>
+              <a:t>Sequential</a:t>
+            </a:r>
+            <a:r>
+              <a:rPr lang="ru-RU" sz="1800" dirty="0"/>
+              <a:t> библиотеки </a:t>
+            </a:r>
+            <a:r>
+              <a:rPr lang="ru-RU" sz="1800" dirty="0" err="1"/>
+              <a:t>keras</a:t>
+            </a:r>
+            <a:r>
+              <a:rPr lang="ru-RU" sz="1800" dirty="0"/>
+              <a:t>.</a:t>
+            </a:r>
+          </a:p>
+        </p:txBody>
+      </p:sp>
+      <p:sp>
+        <p:nvSpPr>
+          <p:cNvPr id="7" name="Текст 1">
+            <a:extLst>
+              <a:ext uri="{FF2B5EF4-FFF2-40B4-BE49-F238E27FC236}">
+                <a16:creationId xmlns:a16="http://schemas.microsoft.com/office/drawing/2014/main" id="{90C64B9C-839F-6B23-7A53-8E347D9222D6}"/>
+              </a:ext>
+            </a:extLst>
+          </p:cNvPr>
+          <p:cNvSpPr txBox="1">
+            <a:spLocks/>
+          </p:cNvSpPr>
+          <p:nvPr/>
+        </p:nvSpPr>
+        <p:spPr>
+          <a:xfrm>
+            <a:off x="7071945" y="621683"/>
+            <a:ext cx="3645959" cy="438292"/>
+          </a:xfrm>
+          <a:prstGeom prst="rect">
+            <a:avLst/>
+          </a:prstGeom>
+          <a:noFill/>
+          <a:ln>
+            <a:noFill/>
+          </a:ln>
+        </p:spPr>
+        <p:txBody>
+          <a:bodyPr spcFirstLastPara="1" wrap="square" lIns="91425" tIns="45700" rIns="91425" bIns="45700" anchor="t" anchorCtr="0">
+            <a:noAutofit/>
+          </a:bodyPr>
+          <a:lstStyle>
+            <a:defPPr marR="0" lvl="0" algn="l" rtl="0">
+              <a:lnSpc>
+                <a:spcPct val="100000"/>
+              </a:lnSpc>
+              <a:spcBef>
+                <a:spcPts val="0"/>
+              </a:spcBef>
+              <a:spcAft>
+                <a:spcPts val="0"/>
+              </a:spcAft>
+            </a:defPPr>
+            <a:lvl1pPr marL="457200" marR="0" lvl="0" indent="-228600" algn="l" rtl="0">
+              <a:lnSpc>
+                <a:spcPct val="90000"/>
+              </a:lnSpc>
+              <a:spcBef>
+                <a:spcPts val="750"/>
+              </a:spcBef>
+              <a:spcAft>
+                <a:spcPts val="0"/>
+              </a:spcAft>
+              <a:buClr>
+                <a:schemeClr val="accent1"/>
+              </a:buClr>
+              <a:buSzPts val="3200"/>
+              <a:buFont typeface="Noto Sans Symbols"/>
+              <a:buNone/>
+              <a:defRPr sz="2700" b="0" i="0" u="none" strike="noStrike" cap="none" baseline="0">
+                <a:solidFill>
+                  <a:srgbClr val="F1BE29"/>
+                </a:solidFill>
+                <a:latin typeface="ALS Sector Regular" panose="02000000000000000000" pitchFamily="2" charset="0"/>
+                <a:ea typeface="Open Sans"/>
+                <a:cs typeface="ALS Sector Regular" panose="02000000000000000000" pitchFamily="2" charset="0"/>
+                <a:sym typeface="Open Sans"/>
+              </a:defRPr>
+            </a:lvl1pPr>
+            <a:lvl2pPr marL="914400" marR="0" lvl="1" indent="-228600" algn="l" rtl="0">
+              <a:lnSpc>
+                <a:spcPct val="90000"/>
+              </a:lnSpc>
+              <a:spcBef>
+                <a:spcPts val="375"/>
+              </a:spcBef>
+              <a:spcAft>
+                <a:spcPts val="0"/>
+              </a:spcAft>
+              <a:buClr>
+                <a:schemeClr val="accent1"/>
+              </a:buClr>
+              <a:buSzPts val="2000"/>
+              <a:buFont typeface="Noto Sans Symbols"/>
+              <a:buNone/>
+              <a:defRPr sz="2000" b="0" i="0" u="none" strike="noStrike" cap="none">
+                <a:solidFill>
+                  <a:srgbClr val="262626"/>
+                </a:solidFill>
+                <a:latin typeface="Open Sans"/>
+                <a:ea typeface="Open Sans"/>
+                <a:cs typeface="Open Sans"/>
+                <a:sym typeface="Open Sans"/>
+              </a:defRPr>
+            </a:lvl2pPr>
+            <a:lvl3pPr marL="1371600" marR="0" lvl="2" indent="-342900" algn="l" rtl="0">
+              <a:lnSpc>
+                <a:spcPct val="90000"/>
+              </a:lnSpc>
+              <a:spcBef>
+                <a:spcPts val="375"/>
+              </a:spcBef>
+              <a:spcAft>
+                <a:spcPts val="0"/>
+              </a:spcAft>
+              <a:buClr>
+                <a:schemeClr val="accent1"/>
+              </a:buClr>
+              <a:buSzPts val="1800"/>
+              <a:buFont typeface="Noto Sans Symbols"/>
+              <a:buChar char="▪"/>
+              <a:defRPr sz="1600" b="0" i="0" u="none" strike="noStrike" cap="none">
+                <a:solidFill>
+                  <a:srgbClr val="262626"/>
+                </a:solidFill>
+                <a:latin typeface="Open Sans"/>
+                <a:ea typeface="Open Sans"/>
+                <a:cs typeface="Open Sans"/>
+                <a:sym typeface="Open Sans"/>
+              </a:defRPr>
+            </a:lvl3pPr>
+            <a:lvl4pPr marL="1828800" marR="0" lvl="3" indent="-342900" algn="l" rtl="0">
+              <a:lnSpc>
+                <a:spcPct val="90000"/>
+              </a:lnSpc>
+              <a:spcBef>
+                <a:spcPts val="375"/>
+              </a:spcBef>
+              <a:spcAft>
+                <a:spcPts val="0"/>
+              </a:spcAft>
+              <a:buClr>
+                <a:schemeClr val="accent1"/>
+              </a:buClr>
+              <a:buSzPts val="1800"/>
+              <a:buFont typeface="Noto Sans Symbols"/>
+              <a:buChar char="▪"/>
+              <a:defRPr sz="1400" b="0" i="0" u="none" strike="noStrike" cap="none">
+                <a:solidFill>
+                  <a:srgbClr val="262626"/>
+                </a:solidFill>
+                <a:latin typeface="Open Sans"/>
+                <a:ea typeface="Open Sans"/>
+                <a:cs typeface="Open Sans"/>
+                <a:sym typeface="Open Sans"/>
+              </a:defRPr>
+            </a:lvl4pPr>
+            <a:lvl5pPr marL="2286000" marR="0" lvl="4" indent="-342900" algn="l" rtl="0">
+              <a:lnSpc>
+                <a:spcPct val="90000"/>
+              </a:lnSpc>
+              <a:spcBef>
+                <a:spcPts val="375"/>
+              </a:spcBef>
+              <a:spcAft>
+                <a:spcPts val="0"/>
+              </a:spcAft>
+              <a:buClr>
+                <a:schemeClr val="accent1"/>
+              </a:buClr>
+              <a:buSzPts val="1800"/>
+              <a:buFont typeface="Noto Sans Symbols"/>
+              <a:buChar char="▪"/>
+              <a:defRPr sz="1400" b="0" i="0" u="none" strike="noStrike" cap="none">
+                <a:solidFill>
+                  <a:srgbClr val="262626"/>
+                </a:solidFill>
+                <a:latin typeface="Open Sans"/>
+                <a:ea typeface="Open Sans"/>
+                <a:cs typeface="Open Sans"/>
+                <a:sym typeface="Open Sans"/>
+              </a:defRPr>
+            </a:lvl5pPr>
+            <a:lvl6pPr marL="2743200" marR="0" lvl="5" indent="-342900" algn="l" rtl="0">
+              <a:lnSpc>
+                <a:spcPct val="90000"/>
+              </a:lnSpc>
+              <a:spcBef>
+                <a:spcPts val="375"/>
+              </a:spcBef>
+              <a:spcAft>
+                <a:spcPts val="0"/>
+              </a:spcAft>
+              <a:buClr>
+                <a:schemeClr val="dk1"/>
+              </a:buClr>
+              <a:buSzPts val="1800"/>
+              <a:buFont typeface="Arial"/>
+              <a:buChar char="•"/>
+              <a:defRPr sz="1350" b="0" i="0" u="none" strike="noStrike" cap="none">
+                <a:solidFill>
+                  <a:schemeClr val="dk1"/>
+                </a:solidFill>
+                <a:latin typeface="Open Sans"/>
+                <a:ea typeface="Open Sans"/>
+                <a:cs typeface="Open Sans"/>
+                <a:sym typeface="Open Sans"/>
+              </a:defRPr>
+            </a:lvl6pPr>
+            <a:lvl7pPr marL="3200400" marR="0" lvl="6" indent="-342900" algn="l" rtl="0">
+              <a:lnSpc>
+                <a:spcPct val="90000"/>
+              </a:lnSpc>
+              <a:spcBef>
+                <a:spcPts val="375"/>
+              </a:spcBef>
+              <a:spcAft>
+                <a:spcPts val="0"/>
+              </a:spcAft>
+              <a:buClr>
+                <a:schemeClr val="dk1"/>
+              </a:buClr>
+              <a:buSzPts val="1800"/>
+              <a:buFont typeface="Arial"/>
+              <a:buChar char="•"/>
+              <a:defRPr sz="1350" b="0" i="0" u="none" strike="noStrike" cap="none">
+                <a:solidFill>
+                  <a:schemeClr val="dk1"/>
+                </a:solidFill>
+                <a:latin typeface="Open Sans"/>
+                <a:ea typeface="Open Sans"/>
+                <a:cs typeface="Open Sans"/>
+                <a:sym typeface="Open Sans"/>
+              </a:defRPr>
+            </a:lvl7pPr>
+            <a:lvl8pPr marL="3657600" marR="0" lvl="7" indent="-342900" algn="l" rtl="0">
+              <a:lnSpc>
+                <a:spcPct val="90000"/>
+              </a:lnSpc>
+              <a:spcBef>
+                <a:spcPts val="375"/>
+              </a:spcBef>
+              <a:spcAft>
+                <a:spcPts val="0"/>
+              </a:spcAft>
+              <a:buClr>
+                <a:schemeClr val="dk1"/>
+              </a:buClr>
+              <a:buSzPts val="1800"/>
+              <a:buFont typeface="Arial"/>
+              <a:buChar char="•"/>
+              <a:defRPr sz="1350" b="0" i="0" u="none" strike="noStrike" cap="none">
+                <a:solidFill>
+                  <a:schemeClr val="dk1"/>
+                </a:solidFill>
+                <a:latin typeface="Open Sans"/>
+                <a:ea typeface="Open Sans"/>
+                <a:cs typeface="Open Sans"/>
+                <a:sym typeface="Open Sans"/>
+              </a:defRPr>
+            </a:lvl8pPr>
+            <a:lvl9pPr marL="4114800" marR="0" lvl="8" indent="-342900" algn="l" rtl="0">
+              <a:lnSpc>
+                <a:spcPct val="90000"/>
+              </a:lnSpc>
+              <a:spcBef>
+                <a:spcPts val="375"/>
+              </a:spcBef>
+              <a:spcAft>
+                <a:spcPts val="0"/>
+              </a:spcAft>
+              <a:buClr>
+                <a:schemeClr val="dk1"/>
+              </a:buClr>
+              <a:buSzPts val="1800"/>
+              <a:buFont typeface="Arial"/>
+              <a:buChar char="•"/>
+              <a:defRPr sz="1350" b="0" i="0" u="none" strike="noStrike" cap="none">
+                <a:solidFill>
+                  <a:schemeClr val="dk1"/>
+                </a:solidFill>
+                <a:latin typeface="Open Sans"/>
+                <a:ea typeface="Open Sans"/>
+                <a:cs typeface="Open Sans"/>
+                <a:sym typeface="Open Sans"/>
+              </a:defRPr>
+            </a:lvl9pPr>
+          </a:lstStyle>
+          <a:p>
+            <a:r>
+              <a:rPr lang="ru-RU" sz="2600" dirty="0"/>
+              <a:t>Лучший вариант НС:</a:t>
+            </a:r>
+          </a:p>
+        </p:txBody>
+      </p:sp>
+      <p:pic>
+        <p:nvPicPr>
+          <p:cNvPr id="9" name="Picture 8">
+            <a:extLst>
+              <a:ext uri="{FF2B5EF4-FFF2-40B4-BE49-F238E27FC236}">
+                <a16:creationId xmlns:a16="http://schemas.microsoft.com/office/drawing/2014/main" id="{224D28BC-D546-AAF3-F2B4-41EB27B2B146}"/>
+              </a:ext>
+            </a:extLst>
+          </p:cNvPr>
+          <p:cNvPicPr>
+            <a:picLocks noChangeAspect="1"/>
+          </p:cNvPicPr>
+          <p:nvPr/>
+        </p:nvPicPr>
+        <p:blipFill>
+          <a:blip r:embed="rId2"/>
+          <a:stretch>
+            <a:fillRect/>
+          </a:stretch>
+        </p:blipFill>
+        <p:spPr>
+          <a:xfrm>
+            <a:off x="7071945" y="1249147"/>
+            <a:ext cx="3692321" cy="2015689"/>
+          </a:xfrm>
+          <a:prstGeom prst="rect">
+            <a:avLst/>
+          </a:prstGeom>
+        </p:spPr>
+      </p:pic>
     </p:spTree>
     <p:extLst>
       <p:ext uri="{BB962C8B-B14F-4D97-AF65-F5344CB8AC3E}">
